--- a/p5/präsi.pptx
+++ b/p5/präsi.pptx
@@ -6,7 +6,7 @@
   </p:sldMasterIdLst>
   <p:sldIdLst>
     <p:sldId id="275" r:id="rId2"/>
-    <p:sldId id="276" r:id="rId3"/>
+    <p:sldId id="277" r:id="rId3"/>
     <p:sldId id="257" r:id="rId4"/>
     <p:sldId id="268" r:id="rId5"/>
     <p:sldId id="272" r:id="rId6"/>
@@ -13167,14 +13167,14 @@
       </p:sp>
       <p:pic>
         <p:nvPicPr>
-          <p:cNvPr id="4" name="Grafik 3"/>
+          <p:cNvPr id="2" name="Grafik 1"/>
           <p:cNvPicPr>
             <a:picLocks noChangeAspect="1"/>
           </p:cNvPicPr>
           <p:nvPr/>
         </p:nvPicPr>
         <p:blipFill>
-          <a:blip r:embed="rId2">
+          <a:blip r:embed="rId2" cstate="print">
             <a:extLst>
               <a:ext uri="{28A0092B-C50C-407E-A947-70E740481C1C}">
                 <a14:useLocalDpi xmlns:a14="http://schemas.microsoft.com/office/drawing/2010/main" val="0"/>
@@ -13187,8 +13187,8 @@
         </p:blipFill>
         <p:spPr>
           <a:xfrm>
-            <a:off x="1546668" y="1336553"/>
-            <a:ext cx="6858000" cy="1905000"/>
+            <a:off x="1644966" y="322084"/>
+            <a:ext cx="6661404" cy="3493778"/>
           </a:xfrm>
           <a:prstGeom prst="rect">
             <a:avLst/>
@@ -13955,12 +13955,8 @@
               <a:buNone/>
             </a:pPr>
             <a:r>
-              <a:rPr lang="de-DE" dirty="0" smtClean="0"/>
-              <a:t>um </a:t>
-            </a:r>
-            <a:r>
               <a:rPr lang="de-DE" dirty="0"/>
-              <a:t>von Nutzern online bestellte Warten </a:t>
+              <a:t>um von Nutzern online bestellte Warten </a:t>
             </a:r>
           </a:p>
           <a:p>
@@ -13971,22 +13967,20 @@
               <a:rPr lang="de-DE" dirty="0"/>
               <a:t>im Supermarkt einzukaufen und anschließend auszuliefern</a:t>
             </a:r>
-          </a:p>
-          <a:p>
             <a:endParaRPr lang="de-DE" dirty="0"/>
           </a:p>
         </p:txBody>
       </p:sp>
       <p:pic>
         <p:nvPicPr>
-          <p:cNvPr id="4" name="Grafik 3"/>
+          <p:cNvPr id="2" name="Grafik 1"/>
           <p:cNvPicPr>
             <a:picLocks noChangeAspect="1"/>
           </p:cNvPicPr>
           <p:nvPr/>
         </p:nvPicPr>
         <p:blipFill>
-          <a:blip r:embed="rId2">
+          <a:blip r:embed="rId2" cstate="print">
             <a:extLst>
               <a:ext uri="{28A0092B-C50C-407E-A947-70E740481C1C}">
                 <a14:useLocalDpi xmlns:a14="http://schemas.microsoft.com/office/drawing/2010/main" val="0"/>
@@ -13999,8 +13993,8 @@
         </p:blipFill>
         <p:spPr>
           <a:xfrm>
-            <a:off x="1546668" y="1336553"/>
-            <a:ext cx="6858000" cy="1905000"/>
+            <a:off x="1644966" y="322084"/>
+            <a:ext cx="6661404" cy="3493778"/>
           </a:xfrm>
           <a:prstGeom prst="rect">
             <a:avLst/>
@@ -14010,7 +14004,7 @@
     </p:spTree>
     <p:extLst>
       <p:ext uri="{BB962C8B-B14F-4D97-AF65-F5344CB8AC3E}">
-        <p14:creationId xmlns:p14="http://schemas.microsoft.com/office/powerpoint/2010/main" val="1301521512"/>
+        <p14:creationId xmlns:p14="http://schemas.microsoft.com/office/powerpoint/2010/main" val="189096485"/>
       </p:ext>
     </p:extLst>
   </p:cSld>
